--- a/개인/석사학위논문/Thesis_Presentation.pptx
+++ b/개인/석사학위논문/Thesis_Presentation.pptx
@@ -3437,7 +3437,7 @@
           <a:p>
             <a:fld id="{C19762FB-3275-4DDD-8145-24885120BD1B}" type="datetimeFigureOut">
               <a:rPr lang="ko-KR" altLang="en-US" smtClean="0"/>
-              <a:t>2019-10-19</a:t>
+              <a:t>2019-10-21</a:t>
             </a:fld>
             <a:endParaRPr lang="ko-KR" altLang="en-US"/>
           </a:p>
@@ -3928,7 +3928,7 @@
           <a:p>
             <a:fld id="{D5D80EBB-B890-43AE-9083-C96FE4A29910}" type="datetime1">
               <a:rPr lang="ko-KR" altLang="en-US" smtClean="0"/>
-              <a:t>2019-10-19</a:t>
+              <a:t>2019-10-21</a:t>
             </a:fld>
             <a:endParaRPr lang="ko-KR" altLang="en-US"/>
           </a:p>
@@ -4122,7 +4122,7 @@
           <a:p>
             <a:fld id="{154BE1C7-AA1F-4F3C-8E2B-C87B93FCCD4D}" type="datetime1">
               <a:rPr lang="ko-KR" altLang="en-US" smtClean="0"/>
-              <a:t>2019-10-19</a:t>
+              <a:t>2019-10-21</a:t>
             </a:fld>
             <a:endParaRPr lang="ko-KR" altLang="en-US"/>
           </a:p>
@@ -4326,7 +4326,7 @@
           <a:p>
             <a:fld id="{B5E04AD6-9B61-42B2-938C-66281B480C6A}" type="datetime1">
               <a:rPr lang="ko-KR" altLang="en-US" smtClean="0"/>
-              <a:t>2019-10-19</a:t>
+              <a:t>2019-10-21</a:t>
             </a:fld>
             <a:endParaRPr lang="ko-KR" altLang="en-US"/>
           </a:p>
@@ -4512,7 +4512,7 @@
           <a:p>
             <a:fld id="{CEDA20BB-A36C-44CB-A9A0-32BED543DE31}" type="datetimeFigureOut">
               <a:rPr lang="ko-KR" altLang="en-US" smtClean="0"/>
-              <a:t>2019-10-19</a:t>
+              <a:t>2019-10-21</a:t>
             </a:fld>
             <a:endParaRPr lang="ko-KR" altLang="en-US"/>
           </a:p>
@@ -4882,7 +4882,7 @@
           <a:p>
             <a:fld id="{218953AC-9849-456F-9E44-AECC60F5F9FC}" type="datetime1">
               <a:rPr lang="ko-KR" altLang="en-US" smtClean="0"/>
-              <a:t>2019-10-19</a:t>
+              <a:t>2019-10-21</a:t>
             </a:fld>
             <a:endParaRPr lang="ko-KR" altLang="en-US"/>
           </a:p>
@@ -5138,7 +5138,7 @@
           <a:p>
             <a:fld id="{8CCAAB59-4967-4F74-8A98-AEFD5F21617F}" type="datetime1">
               <a:rPr lang="ko-KR" altLang="en-US" smtClean="0"/>
-              <a:t>2019-10-19</a:t>
+              <a:t>2019-10-21</a:t>
             </a:fld>
             <a:endParaRPr lang="ko-KR" altLang="en-US"/>
           </a:p>
@@ -5529,7 +5529,7 @@
           <a:p>
             <a:fld id="{A3176D14-3ABC-4C75-AD2C-933C44F0B27E}" type="datetime1">
               <a:rPr lang="ko-KR" altLang="en-US" smtClean="0"/>
-              <a:t>2019-10-19</a:t>
+              <a:t>2019-10-21</a:t>
             </a:fld>
             <a:endParaRPr lang="ko-KR" altLang="en-US"/>
           </a:p>
@@ -5671,7 +5671,7 @@
           <a:p>
             <a:fld id="{21C282E5-3BC4-42EA-975E-4FBFF6C9C5B9}" type="datetime1">
               <a:rPr lang="ko-KR" altLang="en-US" smtClean="0"/>
-              <a:t>2019-10-19</a:t>
+              <a:t>2019-10-21</a:t>
             </a:fld>
             <a:endParaRPr lang="ko-KR" altLang="en-US"/>
           </a:p>
@@ -5790,7 +5790,7 @@
           <a:p>
             <a:fld id="{13ABF03C-3F6A-4FCA-9FFE-178AE350824F}" type="datetime1">
               <a:rPr lang="ko-KR" altLang="en-US" smtClean="0"/>
-              <a:t>2019-10-19</a:t>
+              <a:t>2019-10-21</a:t>
             </a:fld>
             <a:endParaRPr lang="ko-KR" altLang="en-US"/>
           </a:p>
@@ -6091,7 +6091,7 @@
           <a:p>
             <a:fld id="{B7D8EF2C-F87E-4B61-BE8F-F370400E961D}" type="datetime1">
               <a:rPr lang="ko-KR" altLang="en-US" smtClean="0"/>
-              <a:t>2019-10-19</a:t>
+              <a:t>2019-10-21</a:t>
             </a:fld>
             <a:endParaRPr lang="ko-KR" altLang="en-US"/>
           </a:p>
@@ -6372,7 +6372,7 @@
           <a:p>
             <a:fld id="{8F223CFE-2AAC-4812-9EB8-3FB62CB8BFB1}" type="datetime1">
               <a:rPr lang="ko-KR" altLang="en-US" smtClean="0"/>
-              <a:t>2019-10-19</a:t>
+              <a:t>2019-10-21</a:t>
             </a:fld>
             <a:endParaRPr lang="ko-KR" altLang="en-US"/>
           </a:p>
@@ -27539,24 +27539,7 @@
                 <a:ea typeface="+mj-ea"/>
                 <a:cs typeface="Arial" pitchFamily="34" charset="0"/>
               </a:rPr>
-              <a:t>Design </a:t>
-            </a:r>
-            <a:r>
-              <a:rPr kumimoji="0" lang="en-US" altLang="ko-KR" sz="3200" b="1" i="0" u="none" strike="noStrike" kern="1200" cap="none" spc="0" normalizeH="0" baseline="0" noProof="0" dirty="0" smtClean="0">
-                <a:ln>
-                  <a:noFill/>
-                </a:ln>
-                <a:solidFill>
-                  <a:schemeClr val="bg1"/>
-                </a:solidFill>
-                <a:effectLst/>
-                <a:uLnTx/>
-                <a:uFillTx/>
-                <a:latin typeface="Arial" pitchFamily="34" charset="0"/>
-                <a:ea typeface="+mj-ea"/>
-                <a:cs typeface="Arial" pitchFamily="34" charset="0"/>
-              </a:rPr>
-              <a:t>Platform</a:t>
+              <a:t>Design Platform</a:t>
             </a:r>
             <a:r>
               <a:rPr kumimoji="0" lang="en-US" altLang="ko-KR" sz="3200" b="1" i="0" u="none" strike="noStrike" kern="1200" cap="none" spc="0" normalizeH="0" noProof="0" dirty="0" smtClean="0">
@@ -27697,8 +27680,8 @@
           </a:prstGeom>
         </p:spPr>
       </p:pic>
-      <mc:AlternateContent xmlns:mc="http://schemas.openxmlformats.org/markup-compatibility/2006">
-        <mc:Choice xmlns:a14="http://schemas.microsoft.com/office/drawing/2010/main" Requires="a14">
+      <mc:AlternateContent xmlns:mc="http://schemas.openxmlformats.org/markup-compatibility/2006" xmlns:a14="http://schemas.microsoft.com/office/drawing/2010/main">
+        <mc:Choice Requires="a14">
           <p:sp>
             <p:nvSpPr>
               <p:cNvPr id="39" name="직사각형 38"/>
@@ -27873,7 +27856,7 @@
             </p:txBody>
           </p:sp>
         </mc:Choice>
-        <mc:Fallback>
+        <mc:Fallback xmlns="">
           <p:sp>
             <p:nvSpPr>
               <p:cNvPr id="39" name="직사각형 38"/>
@@ -27923,7 +27906,7 @@
             <p:spPr>
               <a:xfrm>
                 <a:off x="409862" y="4693837"/>
-                <a:ext cx="2727331" cy="872034"/>
+                <a:ext cx="2727331" cy="923330"/>
               </a:xfrm>
               <a:prstGeom prst="rect">
                 <a:avLst/>
@@ -27945,7 +27928,7 @@
                     <a:latin typeface="Arial" panose="020B0604020202020204" pitchFamily="34" charset="0"/>
                     <a:cs typeface="Arial" panose="020B0604020202020204" pitchFamily="34" charset="0"/>
                   </a:rPr>
-                  <a:t>DBR #1</a:t>
+                  <a:t>DBR </a:t>
                 </a:r>
               </a:p>
               <a:p>
@@ -28033,7 +28016,7 @@
             <p:spPr>
               <a:xfrm>
                 <a:off x="409862" y="4693837"/>
-                <a:ext cx="2727331" cy="872034"/>
+                <a:ext cx="2727331" cy="923330"/>
               </a:xfrm>
               <a:prstGeom prst="rect">
                 <a:avLst/>
@@ -28041,7 +28024,7 @@
               <a:blipFill>
                 <a:blip r:embed="rId5"/>
                 <a:stretch>
-                  <a:fillRect l="-1786" b="-10490"/>
+                  <a:fillRect l="-1786" b="-4636"/>
                 </a:stretch>
               </a:blipFill>
             </p:spPr>
@@ -28279,7 +28262,7 @@
         </p:nvSpPr>
         <p:spPr>
           <a:xfrm>
-            <a:off x="401941" y="2599049"/>
+            <a:off x="401941" y="3224960"/>
             <a:ext cx="811717" cy="369332"/>
           </a:xfrm>
           <a:prstGeom prst="rect">
@@ -28308,6 +28291,586 @@
           </a:p>
         </p:txBody>
       </p:sp>
+      <p:sp>
+        <p:nvSpPr>
+          <p:cNvPr id="7" name="직사각형 6"/>
+          <p:cNvSpPr/>
+          <p:nvPr/>
+        </p:nvSpPr>
+        <p:spPr>
+          <a:xfrm>
+            <a:off x="565852" y="3559216"/>
+            <a:ext cx="4281055" cy="1338828"/>
+          </a:xfrm>
+          <a:prstGeom prst="rect">
+            <a:avLst/>
+          </a:prstGeom>
+        </p:spPr>
+        <p:txBody>
+          <a:bodyPr wrap="square">
+            <a:spAutoFit/>
+          </a:bodyPr>
+          <a:lstStyle/>
+          <a:p>
+            <a:pPr>
+              <a:lnSpc>
+                <a:spcPct val="150000"/>
+              </a:lnSpc>
+            </a:pPr>
+            <a:r>
+              <a:rPr lang="en-US" altLang="ko-KR" dirty="0" smtClean="0">
+                <a:latin typeface="Arial" panose="020B0604020202020204" pitchFamily="34" charset="0"/>
+                <a:cs typeface="Arial" panose="020B0604020202020204" pitchFamily="34" charset="0"/>
+              </a:rPr>
+              <a:t>Input layer: 80 node</a:t>
+            </a:r>
+          </a:p>
+          <a:p>
+            <a:pPr>
+              <a:lnSpc>
+                <a:spcPct val="150000"/>
+              </a:lnSpc>
+            </a:pPr>
+            <a:r>
+              <a:rPr lang="en-US" altLang="ko-KR" dirty="0" smtClean="0">
+                <a:latin typeface="Arial" panose="020B0604020202020204" pitchFamily="34" charset="0"/>
+                <a:cs typeface="Arial" panose="020B0604020202020204" pitchFamily="34" charset="0"/>
+              </a:rPr>
+              <a:t>Output layer: 570 node</a:t>
+            </a:r>
+          </a:p>
+          <a:p>
+            <a:pPr>
+              <a:lnSpc>
+                <a:spcPct val="150000"/>
+              </a:lnSpc>
+            </a:pPr>
+            <a:r>
+              <a:rPr lang="en-US" altLang="ko-KR" dirty="0" smtClean="0">
+                <a:latin typeface="Arial" panose="020B0604020202020204" pitchFamily="34" charset="0"/>
+                <a:cs typeface="Arial" panose="020B0604020202020204" pitchFamily="34" charset="0"/>
+              </a:rPr>
+              <a:t>Hidden layer: 3 layer, 200 node</a:t>
+            </a:r>
+            <a:endParaRPr lang="en-US" altLang="ko-KR" dirty="0">
+              <a:latin typeface="Arial" panose="020B0604020202020204" pitchFamily="34" charset="0"/>
+              <a:cs typeface="Arial" panose="020B0604020202020204" pitchFamily="34" charset="0"/>
+            </a:endParaRPr>
+          </a:p>
+        </p:txBody>
+      </p:sp>
+      <p:pic>
+        <p:nvPicPr>
+          <p:cNvPr id="8" name="그림 7"/>
+          <p:cNvPicPr>
+            <a:picLocks noChangeAspect="1"/>
+          </p:cNvPicPr>
+          <p:nvPr/>
+        </p:nvPicPr>
+        <p:blipFill>
+          <a:blip r:embed="rId2"/>
+          <a:stretch>
+            <a:fillRect/>
+          </a:stretch>
+        </p:blipFill>
+        <p:spPr>
+          <a:xfrm>
+            <a:off x="5806426" y="3807652"/>
+            <a:ext cx="2164107" cy="1736016"/>
+          </a:xfrm>
+          <a:prstGeom prst="rect">
+            <a:avLst/>
+          </a:prstGeom>
+        </p:spPr>
+      </p:pic>
+      <mc:AlternateContent xmlns:mc="http://schemas.openxmlformats.org/markup-compatibility/2006">
+        <mc:Choice xmlns:a14="http://schemas.microsoft.com/office/drawing/2010/main" Requires="a14">
+          <p:sp>
+            <p:nvSpPr>
+              <p:cNvPr id="9" name="직사각형 8"/>
+              <p:cNvSpPr/>
+              <p:nvPr/>
+            </p:nvSpPr>
+            <p:spPr>
+              <a:xfrm>
+                <a:off x="458988" y="1514603"/>
+                <a:ext cx="4494785" cy="507831"/>
+              </a:xfrm>
+              <a:prstGeom prst="rect">
+                <a:avLst/>
+              </a:prstGeom>
+            </p:spPr>
+            <p:txBody>
+              <a:bodyPr wrap="square">
+                <a:spAutoFit/>
+              </a:bodyPr>
+              <a:lstStyle/>
+              <a:p>
+                <a:pPr>
+                  <a:lnSpc>
+                    <a:spcPct val="150000"/>
+                  </a:lnSpc>
+                </a:pPr>
+                <a14:m>
+                  <m:oMathPara xmlns:m="http://schemas.openxmlformats.org/officeDocument/2006/math">
+                    <m:oMathParaPr>
+                      <m:jc m:val="centerGroup"/>
+                    </m:oMathParaPr>
+                    <m:oMath xmlns:m="http://schemas.openxmlformats.org/officeDocument/2006/math">
+                      <m:r>
+                        <a:rPr lang="en-US" altLang="ko-KR" b="0" i="1" smtClean="0">
+                          <a:latin typeface="Cambria Math" panose="02040503050406030204" pitchFamily="18" charset="0"/>
+                          <a:cs typeface="Arial" panose="020B0604020202020204" pitchFamily="34" charset="0"/>
+                        </a:rPr>
+                        <m:t>𝑟𝑒𝑤𝑎𝑟𝑑</m:t>
+                      </m:r>
+                      <m:r>
+                        <a:rPr lang="en-US" altLang="ko-KR" b="0" i="1" smtClean="0">
+                          <a:latin typeface="Cambria Math" panose="02040503050406030204" pitchFamily="18" charset="0"/>
+                          <a:cs typeface="Arial" panose="020B0604020202020204" pitchFamily="34" charset="0"/>
+                        </a:rPr>
+                        <m:t>=</m:t>
+                      </m:r>
+                      <m:r>
+                        <m:rPr>
+                          <m:sty m:val="p"/>
+                        </m:rPr>
+                        <a:rPr lang="en-US" altLang="ko-KR" b="0" i="0" smtClean="0">
+                          <a:latin typeface="Cambria Math" panose="02040503050406030204" pitchFamily="18" charset="0"/>
+                          <a:cs typeface="Arial" panose="020B0604020202020204" pitchFamily="34" charset="0"/>
+                        </a:rPr>
+                        <m:t>mean</m:t>
+                      </m:r>
+                      <m:d>
+                        <m:dPr>
+                          <m:ctrlPr>
+                            <a:rPr lang="en-US" altLang="ko-KR" b="0" i="1" smtClean="0">
+                              <a:latin typeface="Cambria Math" panose="02040503050406030204" pitchFamily="18" charset="0"/>
+                              <a:cs typeface="Arial" panose="020B0604020202020204" pitchFamily="34" charset="0"/>
+                            </a:rPr>
+                          </m:ctrlPr>
+                        </m:dPr>
+                        <m:e>
+                          <m:sSub>
+                            <m:sSubPr>
+                              <m:ctrlPr>
+                                <a:rPr lang="en-US" altLang="ko-KR" b="0" i="1" smtClean="0">
+                                  <a:latin typeface="Cambria Math" panose="02040503050406030204" pitchFamily="18" charset="0"/>
+                                  <a:cs typeface="Arial" panose="020B0604020202020204" pitchFamily="34" charset="0"/>
+                                </a:rPr>
+                              </m:ctrlPr>
+                            </m:sSubPr>
+                            <m:e>
+                              <m:r>
+                                <a:rPr lang="en-US" altLang="ko-KR" b="0" i="1" smtClean="0">
+                                  <a:latin typeface="Cambria Math" panose="02040503050406030204" pitchFamily="18" charset="0"/>
+                                  <a:cs typeface="Arial" panose="020B0604020202020204" pitchFamily="34" charset="0"/>
+                                </a:rPr>
+                                <m:t>𝑅</m:t>
+                              </m:r>
+                            </m:e>
+                            <m:sub>
+                              <m:r>
+                                <m:rPr>
+                                  <m:sty m:val="p"/>
+                                </m:rPr>
+                                <a:rPr lang="en-US" altLang="ko-KR" b="0" i="0" smtClean="0">
+                                  <a:latin typeface="Cambria Math" panose="02040503050406030204" pitchFamily="18" charset="0"/>
+                                  <a:cs typeface="Arial" panose="020B0604020202020204" pitchFamily="34" charset="0"/>
+                                </a:rPr>
+                                <m:t>in</m:t>
+                              </m:r>
+                            </m:sub>
+                          </m:sSub>
+                        </m:e>
+                      </m:d>
+                      <m:r>
+                        <a:rPr lang="en-US" altLang="ko-KR" i="1">
+                          <a:latin typeface="Cambria Math" panose="02040503050406030204" pitchFamily="18" charset="0"/>
+                          <a:ea typeface="Cambria Math" panose="02040503050406030204" pitchFamily="18" charset="0"/>
+                          <a:cs typeface="Arial" panose="020B0604020202020204" pitchFamily="34" charset="0"/>
+                        </a:rPr>
+                        <m:t>∙</m:t>
+                      </m:r>
+                      <m:d>
+                        <m:dPr>
+                          <m:ctrlPr>
+                            <a:rPr lang="en-US" altLang="ko-KR" b="0" i="1" smtClean="0">
+                              <a:latin typeface="Cambria Math" panose="02040503050406030204" pitchFamily="18" charset="0"/>
+                              <a:ea typeface="Cambria Math" panose="02040503050406030204" pitchFamily="18" charset="0"/>
+                              <a:cs typeface="Arial" panose="020B0604020202020204" pitchFamily="34" charset="0"/>
+                            </a:rPr>
+                          </m:ctrlPr>
+                        </m:dPr>
+                        <m:e>
+                          <m:r>
+                            <a:rPr lang="en-US" altLang="ko-KR" b="0" i="1" smtClean="0">
+                              <a:latin typeface="Cambria Math" panose="02040503050406030204" pitchFamily="18" charset="0"/>
+                              <a:ea typeface="Cambria Math" panose="02040503050406030204" pitchFamily="18" charset="0"/>
+                              <a:cs typeface="Arial" panose="020B0604020202020204" pitchFamily="34" charset="0"/>
+                            </a:rPr>
+                            <m:t>1−</m:t>
+                          </m:r>
+                          <m:r>
+                            <m:rPr>
+                              <m:sty m:val="p"/>
+                            </m:rPr>
+                            <a:rPr lang="en-US" altLang="ko-KR" b="0" i="0" smtClean="0">
+                              <a:latin typeface="Cambria Math" panose="02040503050406030204" pitchFamily="18" charset="0"/>
+                              <a:ea typeface="Cambria Math" panose="02040503050406030204" pitchFamily="18" charset="0"/>
+                              <a:cs typeface="Arial" panose="020B0604020202020204" pitchFamily="34" charset="0"/>
+                            </a:rPr>
+                            <m:t>mean</m:t>
+                          </m:r>
+                          <m:d>
+                            <m:dPr>
+                              <m:ctrlPr>
+                                <a:rPr lang="en-US" altLang="ko-KR" b="0" i="1" smtClean="0">
+                                  <a:latin typeface="Cambria Math" panose="02040503050406030204" pitchFamily="18" charset="0"/>
+                                  <a:ea typeface="Cambria Math" panose="02040503050406030204" pitchFamily="18" charset="0"/>
+                                  <a:cs typeface="Arial" panose="020B0604020202020204" pitchFamily="34" charset="0"/>
+                                </a:rPr>
+                              </m:ctrlPr>
+                            </m:dPr>
+                            <m:e>
+                              <m:sSub>
+                                <m:sSubPr>
+                                  <m:ctrlPr>
+                                    <a:rPr lang="en-US" altLang="ko-KR" b="0" i="1" smtClean="0">
+                                      <a:latin typeface="Cambria Math" panose="02040503050406030204" pitchFamily="18" charset="0"/>
+                                      <a:ea typeface="Cambria Math" panose="02040503050406030204" pitchFamily="18" charset="0"/>
+                                      <a:cs typeface="Arial" panose="020B0604020202020204" pitchFamily="34" charset="0"/>
+                                    </a:rPr>
+                                  </m:ctrlPr>
+                                </m:sSubPr>
+                                <m:e>
+                                  <m:r>
+                                    <a:rPr lang="en-US" altLang="ko-KR" b="0" i="1" smtClean="0">
+                                      <a:latin typeface="Cambria Math" panose="02040503050406030204" pitchFamily="18" charset="0"/>
+                                      <a:ea typeface="Cambria Math" panose="02040503050406030204" pitchFamily="18" charset="0"/>
+                                      <a:cs typeface="Arial" panose="020B0604020202020204" pitchFamily="34" charset="0"/>
+                                    </a:rPr>
+                                    <m:t>𝑅</m:t>
+                                  </m:r>
+                                </m:e>
+                                <m:sub>
+                                  <m:r>
+                                    <m:rPr>
+                                      <m:sty m:val="p"/>
+                                    </m:rPr>
+                                    <a:rPr lang="en-US" altLang="ko-KR" b="0" i="0" smtClean="0">
+                                      <a:latin typeface="Cambria Math" panose="02040503050406030204" pitchFamily="18" charset="0"/>
+                                      <a:ea typeface="Cambria Math" panose="02040503050406030204" pitchFamily="18" charset="0"/>
+                                      <a:cs typeface="Arial" panose="020B0604020202020204" pitchFamily="34" charset="0"/>
+                                    </a:rPr>
+                                    <m:t>out</m:t>
+                                  </m:r>
+                                </m:sub>
+                              </m:sSub>
+                            </m:e>
+                          </m:d>
+                          <m:r>
+                            <a:rPr lang="en-US" altLang="ko-KR" b="0" i="1" smtClean="0">
+                              <a:latin typeface="Cambria Math" panose="02040503050406030204" pitchFamily="18" charset="0"/>
+                              <a:ea typeface="Cambria Math" panose="02040503050406030204" pitchFamily="18" charset="0"/>
+                              <a:cs typeface="Arial" panose="020B0604020202020204" pitchFamily="34" charset="0"/>
+                            </a:rPr>
+                            <m:t> </m:t>
+                          </m:r>
+                        </m:e>
+                      </m:d>
+                    </m:oMath>
+                  </m:oMathPara>
+                </a14:m>
+                <a:endParaRPr lang="en-US" altLang="ko-KR" dirty="0">
+                  <a:latin typeface="Arial" panose="020B0604020202020204" pitchFamily="34" charset="0"/>
+                  <a:cs typeface="Arial" panose="020B0604020202020204" pitchFamily="34" charset="0"/>
+                </a:endParaRPr>
+              </a:p>
+            </p:txBody>
+          </p:sp>
+        </mc:Choice>
+        <mc:Fallback>
+          <p:sp>
+            <p:nvSpPr>
+              <p:cNvPr id="9" name="직사각형 8"/>
+              <p:cNvSpPr>
+                <a:spLocks noRot="1" noChangeAspect="1" noMove="1" noResize="1" noEditPoints="1" noAdjustHandles="1" noChangeArrowheads="1" noChangeShapeType="1" noTextEdit="1"/>
+              </p:cNvSpPr>
+              <p:nvPr/>
+            </p:nvSpPr>
+            <p:spPr>
+              <a:xfrm>
+                <a:off x="458988" y="1514603"/>
+                <a:ext cx="4494785" cy="507831"/>
+              </a:xfrm>
+              <a:prstGeom prst="rect">
+                <a:avLst/>
+              </a:prstGeom>
+              <a:blipFill>
+                <a:blip r:embed="rId3"/>
+                <a:stretch>
+                  <a:fillRect/>
+                </a:stretch>
+              </a:blipFill>
+            </p:spPr>
+            <p:txBody>
+              <a:bodyPr/>
+              <a:lstStyle/>
+              <a:p>
+                <a:r>
+                  <a:rPr lang="ko-KR" altLang="en-US">
+                    <a:noFill/>
+                  </a:rPr>
+                  <a:t> </a:t>
+                </a:r>
+              </a:p>
+            </p:txBody>
+          </p:sp>
+        </mc:Fallback>
+      </mc:AlternateContent>
+      <p:pic>
+        <p:nvPicPr>
+          <p:cNvPr id="19" name="그림 18"/>
+          <p:cNvPicPr>
+            <a:picLocks noChangeAspect="1"/>
+          </p:cNvPicPr>
+          <p:nvPr/>
+        </p:nvPicPr>
+        <p:blipFill>
+          <a:blip r:embed="rId4"/>
+          <a:stretch>
+            <a:fillRect/>
+          </a:stretch>
+        </p:blipFill>
+        <p:spPr>
+          <a:xfrm>
+            <a:off x="5564921" y="1177302"/>
+            <a:ext cx="2509958" cy="1881071"/>
+          </a:xfrm>
+          <a:prstGeom prst="rect">
+            <a:avLst/>
+          </a:prstGeom>
+        </p:spPr>
+      </p:pic>
+      <mc:AlternateContent xmlns:mc="http://schemas.openxmlformats.org/markup-compatibility/2006">
+        <mc:Choice xmlns:a14="http://schemas.microsoft.com/office/drawing/2010/main" Requires="a14">
+          <p:sp>
+            <p:nvSpPr>
+              <p:cNvPr id="20" name="직사각형 19"/>
+              <p:cNvSpPr/>
+              <p:nvPr/>
+            </p:nvSpPr>
+            <p:spPr>
+              <a:xfrm>
+                <a:off x="1670953" y="5057477"/>
+                <a:ext cx="2070852" cy="972382"/>
+              </a:xfrm>
+              <a:prstGeom prst="rect">
+                <a:avLst/>
+              </a:prstGeom>
+            </p:spPr>
+            <p:txBody>
+              <a:bodyPr wrap="square">
+                <a:spAutoFit/>
+              </a:bodyPr>
+              <a:lstStyle/>
+              <a:p>
+                <a:pPr>
+                  <a:lnSpc>
+                    <a:spcPct val="150000"/>
+                  </a:lnSpc>
+                </a:pPr>
+                <a14:m>
+                  <m:oMathPara xmlns:m="http://schemas.openxmlformats.org/officeDocument/2006/math">
+                    <m:oMathParaPr>
+                      <m:jc m:val="centerGroup"/>
+                    </m:oMathParaPr>
+                    <m:oMath xmlns:m="http://schemas.openxmlformats.org/officeDocument/2006/math">
+                      <m:r>
+                        <a:rPr lang="en-US" altLang="ko-KR" b="0" i="1" smtClean="0">
+                          <a:latin typeface="Cambria Math" panose="02040503050406030204" pitchFamily="18" charset="0"/>
+                          <a:cs typeface="Arial" panose="020B0604020202020204" pitchFamily="34" charset="0"/>
+                        </a:rPr>
+                        <m:t>𝑐𝑜𝑠𝑡</m:t>
+                      </m:r>
+                      <m:r>
+                        <a:rPr lang="en-US" altLang="ko-KR" b="0" i="1" smtClean="0">
+                          <a:latin typeface="Cambria Math" panose="02040503050406030204" pitchFamily="18" charset="0"/>
+                          <a:cs typeface="Arial" panose="020B0604020202020204" pitchFamily="34" charset="0"/>
+                        </a:rPr>
+                        <m:t>=</m:t>
+                      </m:r>
+                      <m:f>
+                        <m:fPr>
+                          <m:ctrlPr>
+                            <a:rPr lang="en-US" altLang="ko-KR" b="0" i="1" smtClean="0">
+                              <a:latin typeface="Cambria Math" panose="02040503050406030204" pitchFamily="18" charset="0"/>
+                              <a:cs typeface="Arial" panose="020B0604020202020204" pitchFamily="34" charset="0"/>
+                            </a:rPr>
+                          </m:ctrlPr>
+                        </m:fPr>
+                        <m:num>
+                          <m:r>
+                            <m:rPr>
+                              <m:sty m:val="p"/>
+                            </m:rPr>
+                            <a:rPr lang="en-US" altLang="ko-KR" b="0" i="0" smtClean="0">
+                              <a:latin typeface="Cambria Math" panose="02040503050406030204" pitchFamily="18" charset="0"/>
+                              <a:cs typeface="Arial" panose="020B0604020202020204" pitchFamily="34" charset="0"/>
+                            </a:rPr>
+                            <m:t>sum</m:t>
+                          </m:r>
+                          <m:d>
+                            <m:dPr>
+                              <m:ctrlPr>
+                                <a:rPr lang="en-US" altLang="ko-KR" b="0" i="1" smtClean="0">
+                                  <a:latin typeface="Cambria Math" panose="02040503050406030204" pitchFamily="18" charset="0"/>
+                                  <a:cs typeface="Arial" panose="020B0604020202020204" pitchFamily="34" charset="0"/>
+                                </a:rPr>
+                              </m:ctrlPr>
+                            </m:dPr>
+                            <m:e>
+                              <m:sSub>
+                                <m:sSubPr>
+                                  <m:ctrlPr>
+                                    <a:rPr lang="en-US" altLang="ko-KR" b="0" i="1" smtClean="0">
+                                      <a:latin typeface="Cambria Math" panose="02040503050406030204" pitchFamily="18" charset="0"/>
+                                      <a:cs typeface="Arial" panose="020B0604020202020204" pitchFamily="34" charset="0"/>
+                                    </a:rPr>
+                                  </m:ctrlPr>
+                                </m:sSubPr>
+                                <m:e>
+                                  <m:r>
+                                    <a:rPr lang="en-US" altLang="ko-KR" b="0" i="1" smtClean="0">
+                                      <a:latin typeface="Cambria Math" panose="02040503050406030204" pitchFamily="18" charset="0"/>
+                                      <a:cs typeface="Arial" panose="020B0604020202020204" pitchFamily="34" charset="0"/>
+                                    </a:rPr>
+                                    <m:t>𝑅</m:t>
+                                  </m:r>
+                                </m:e>
+                                <m:sub>
+                                  <m:r>
+                                    <m:rPr>
+                                      <m:sty m:val="p"/>
+                                    </m:rPr>
+                                    <a:rPr lang="en-US" altLang="ko-KR" b="0" i="0" smtClean="0">
+                                      <a:latin typeface="Cambria Math" panose="02040503050406030204" pitchFamily="18" charset="0"/>
+                                      <a:cs typeface="Arial" panose="020B0604020202020204" pitchFamily="34" charset="0"/>
+                                    </a:rPr>
+                                    <m:t>out</m:t>
+                                  </m:r>
+                                </m:sub>
+                              </m:sSub>
+                            </m:e>
+                          </m:d>
+                        </m:num>
+                        <m:den>
+                          <m:r>
+                            <m:rPr>
+                              <m:sty m:val="p"/>
+                            </m:rPr>
+                            <a:rPr lang="en-US" altLang="ko-KR" b="0" i="0" smtClean="0">
+                              <a:latin typeface="Cambria Math" panose="02040503050406030204" pitchFamily="18" charset="0"/>
+                              <a:cs typeface="Arial" panose="020B0604020202020204" pitchFamily="34" charset="0"/>
+                            </a:rPr>
+                            <m:t>sum</m:t>
+                          </m:r>
+                          <m:d>
+                            <m:dPr>
+                              <m:ctrlPr>
+                                <a:rPr lang="en-US" altLang="ko-KR" b="0" i="1" smtClean="0">
+                                  <a:latin typeface="Cambria Math" panose="02040503050406030204" pitchFamily="18" charset="0"/>
+                                  <a:cs typeface="Arial" panose="020B0604020202020204" pitchFamily="34" charset="0"/>
+                                </a:rPr>
+                              </m:ctrlPr>
+                            </m:dPr>
+                            <m:e>
+                              <m:sSub>
+                                <m:sSubPr>
+                                  <m:ctrlPr>
+                                    <a:rPr lang="en-US" altLang="ko-KR" b="0" i="1" smtClean="0">
+                                      <a:latin typeface="Cambria Math" panose="02040503050406030204" pitchFamily="18" charset="0"/>
+                                      <a:cs typeface="Arial" panose="020B0604020202020204" pitchFamily="34" charset="0"/>
+                                    </a:rPr>
+                                  </m:ctrlPr>
+                                </m:sSubPr>
+                                <m:e>
+                                  <m:r>
+                                    <a:rPr lang="en-US" altLang="ko-KR" b="0" i="1" smtClean="0">
+                                      <a:latin typeface="Cambria Math" panose="02040503050406030204" pitchFamily="18" charset="0"/>
+                                      <a:cs typeface="Arial" panose="020B0604020202020204" pitchFamily="34" charset="0"/>
+                                    </a:rPr>
+                                    <m:t>𝑅</m:t>
+                                  </m:r>
+                                </m:e>
+                                <m:sub>
+                                  <m:r>
+                                    <m:rPr>
+                                      <m:sty m:val="p"/>
+                                    </m:rPr>
+                                    <a:rPr lang="en-US" altLang="ko-KR" b="0" i="0" smtClean="0">
+                                      <a:latin typeface="Cambria Math" panose="02040503050406030204" pitchFamily="18" charset="0"/>
+                                      <a:cs typeface="Arial" panose="020B0604020202020204" pitchFamily="34" charset="0"/>
+                                    </a:rPr>
+                                    <m:t>in</m:t>
+                                  </m:r>
+                                </m:sub>
+                              </m:sSub>
+                            </m:e>
+                          </m:d>
+                        </m:den>
+                      </m:f>
+                    </m:oMath>
+                  </m:oMathPara>
+                </a14:m>
+                <a:endParaRPr lang="en-US" altLang="ko-KR" dirty="0">
+                  <a:latin typeface="Arial" panose="020B0604020202020204" pitchFamily="34" charset="0"/>
+                  <a:cs typeface="Arial" panose="020B0604020202020204" pitchFamily="34" charset="0"/>
+                </a:endParaRPr>
+              </a:p>
+            </p:txBody>
+          </p:sp>
+        </mc:Choice>
+        <mc:Fallback>
+          <p:sp>
+            <p:nvSpPr>
+              <p:cNvPr id="20" name="직사각형 19"/>
+              <p:cNvSpPr>
+                <a:spLocks noRot="1" noChangeAspect="1" noMove="1" noResize="1" noEditPoints="1" noAdjustHandles="1" noChangeArrowheads="1" noChangeShapeType="1" noTextEdit="1"/>
+              </p:cNvSpPr>
+              <p:nvPr/>
+            </p:nvSpPr>
+            <p:spPr>
+              <a:xfrm>
+                <a:off x="1670953" y="5057477"/>
+                <a:ext cx="2070852" cy="972382"/>
+              </a:xfrm>
+              <a:prstGeom prst="rect">
+                <a:avLst/>
+              </a:prstGeom>
+              <a:blipFill>
+                <a:blip r:embed="rId5"/>
+                <a:stretch>
+                  <a:fillRect/>
+                </a:stretch>
+              </a:blipFill>
+            </p:spPr>
+            <p:txBody>
+              <a:bodyPr/>
+              <a:lstStyle/>
+              <a:p>
+                <a:r>
+                  <a:rPr lang="ko-KR" altLang="en-US">
+                    <a:noFill/>
+                  </a:rPr>
+                  <a:t> </a:t>
+                </a:r>
+              </a:p>
+            </p:txBody>
+          </p:sp>
+        </mc:Fallback>
+      </mc:AlternateContent>
     </p:spTree>
     <p:extLst>
       <p:ext uri="{BB962C8B-B14F-4D97-AF65-F5344CB8AC3E}">
@@ -28551,28 +29114,22 @@
       </p:sp>
       <p:pic>
         <p:nvPicPr>
-          <p:cNvPr id="5" name="그림 4"/>
+          <p:cNvPr id="16" name="그림 15"/>
           <p:cNvPicPr>
             <a:picLocks noChangeAspect="1"/>
           </p:cNvPicPr>
           <p:nvPr/>
         </p:nvPicPr>
         <p:blipFill>
-          <a:blip r:embed="rId2" cstate="print">
-            <a:extLst>
-              <a:ext uri="{28A0092B-C50C-407E-A947-70E740481C1C}">
-                <a14:useLocalDpi xmlns:a14="http://schemas.microsoft.com/office/drawing/2010/main" val="0"/>
-              </a:ext>
-            </a:extLst>
-          </a:blip>
+          <a:blip r:embed="rId2"/>
           <a:stretch>
             <a:fillRect/>
           </a:stretch>
         </p:blipFill>
         <p:spPr>
           <a:xfrm>
-            <a:off x="3700226" y="1673111"/>
-            <a:ext cx="2160000" cy="1616625"/>
+            <a:off x="2011317" y="1727135"/>
+            <a:ext cx="5470500" cy="4102000"/>
           </a:xfrm>
           <a:prstGeom prst="rect">
             <a:avLst/>
@@ -28581,537 +29138,28 @@
       </p:pic>
       <p:pic>
         <p:nvPicPr>
-          <p:cNvPr id="6" name="그림 5"/>
+          <p:cNvPr id="17" name="그림 16"/>
           <p:cNvPicPr>
             <a:picLocks noChangeAspect="1"/>
           </p:cNvPicPr>
           <p:nvPr/>
         </p:nvPicPr>
         <p:blipFill>
-          <a:blip r:embed="rId3" cstate="print">
-            <a:extLst>
-              <a:ext uri="{28A0092B-C50C-407E-A947-70E740481C1C}">
-                <a14:useLocalDpi xmlns:a14="http://schemas.microsoft.com/office/drawing/2010/main" val="0"/>
-              </a:ext>
-            </a:extLst>
-          </a:blip>
+          <a:blip r:embed="rId3"/>
           <a:stretch>
             <a:fillRect/>
           </a:stretch>
         </p:blipFill>
         <p:spPr>
           <a:xfrm>
-            <a:off x="1579976" y="1673111"/>
-            <a:ext cx="2160000" cy="1616625"/>
+            <a:off x="5709809" y="819729"/>
+            <a:ext cx="3254445" cy="2440313"/>
           </a:xfrm>
           <a:prstGeom prst="rect">
             <a:avLst/>
           </a:prstGeom>
         </p:spPr>
       </p:pic>
-      <p:pic>
-        <p:nvPicPr>
-          <p:cNvPr id="7" name="그림 6"/>
-          <p:cNvPicPr>
-            <a:picLocks noChangeAspect="1"/>
-          </p:cNvPicPr>
-          <p:nvPr/>
-        </p:nvPicPr>
-        <p:blipFill>
-          <a:blip r:embed="rId4" cstate="print">
-            <a:extLst>
-              <a:ext uri="{28A0092B-C50C-407E-A947-70E740481C1C}">
-                <a14:useLocalDpi xmlns:a14="http://schemas.microsoft.com/office/drawing/2010/main" val="0"/>
-              </a:ext>
-            </a:extLst>
-          </a:blip>
-          <a:stretch>
-            <a:fillRect/>
-          </a:stretch>
-        </p:blipFill>
-        <p:spPr>
-          <a:xfrm>
-            <a:off x="5820476" y="1673111"/>
-            <a:ext cx="2160000" cy="1616625"/>
-          </a:xfrm>
-          <a:prstGeom prst="rect">
-            <a:avLst/>
-          </a:prstGeom>
-        </p:spPr>
-      </p:pic>
-      <p:cxnSp>
-        <p:nvCxnSpPr>
-          <p:cNvPr id="8" name="직선 연결선 7"/>
-          <p:cNvCxnSpPr/>
-          <p:nvPr/>
-        </p:nvCxnSpPr>
-        <p:spPr>
-          <a:xfrm>
-            <a:off x="1736611" y="1951476"/>
-            <a:ext cx="6107113" cy="0"/>
-          </a:xfrm>
-          <a:prstGeom prst="line">
-            <a:avLst/>
-          </a:prstGeom>
-          <a:ln w="19050">
-            <a:solidFill>
-              <a:srgbClr val="FF0000"/>
-            </a:solidFill>
-            <a:prstDash val="sysDash"/>
-          </a:ln>
-        </p:spPr>
-        <p:style>
-          <a:lnRef idx="1">
-            <a:schemeClr val="accent1"/>
-          </a:lnRef>
-          <a:fillRef idx="0">
-            <a:schemeClr val="accent1"/>
-          </a:fillRef>
-          <a:effectRef idx="0">
-            <a:schemeClr val="accent1"/>
-          </a:effectRef>
-          <a:fontRef idx="minor">
-            <a:schemeClr val="tx1"/>
-          </a:fontRef>
-        </p:style>
-      </p:cxnSp>
-      <p:sp>
-        <p:nvSpPr>
-          <p:cNvPr id="9" name="TextBox 8"/>
-          <p:cNvSpPr txBox="1"/>
-          <p:nvPr/>
-        </p:nvSpPr>
-        <p:spPr>
-          <a:xfrm>
-            <a:off x="1173036" y="1812976"/>
-            <a:ext cx="485258" cy="300082"/>
-          </a:xfrm>
-          <a:prstGeom prst="rect">
-            <a:avLst/>
-          </a:prstGeom>
-          <a:noFill/>
-        </p:spPr>
-        <p:txBody>
-          <a:bodyPr wrap="square" rtlCol="0">
-            <a:spAutoFit/>
-          </a:bodyPr>
-          <a:lstStyle/>
-          <a:p>
-            <a:r>
-              <a:rPr lang="en-US" altLang="ko-KR" sz="1350" dirty="0"/>
-              <a:t>99%</a:t>
-            </a:r>
-            <a:endParaRPr lang="ko-KR" altLang="en-US" sz="1350" dirty="0"/>
-          </a:p>
-        </p:txBody>
-      </p:sp>
-      <p:sp>
-        <p:nvSpPr>
-          <p:cNvPr id="10" name="TextBox 9"/>
-          <p:cNvSpPr txBox="1"/>
-          <p:nvPr/>
-        </p:nvSpPr>
-        <p:spPr>
-          <a:xfrm>
-            <a:off x="1079860" y="2333677"/>
-            <a:ext cx="622851" cy="507831"/>
-          </a:xfrm>
-          <a:prstGeom prst="rect">
-            <a:avLst/>
-          </a:prstGeom>
-          <a:noFill/>
-        </p:spPr>
-        <p:txBody>
-          <a:bodyPr wrap="square" rtlCol="0">
-            <a:spAutoFit/>
-          </a:bodyPr>
-          <a:lstStyle/>
-          <a:p>
-            <a:r>
-              <a:rPr lang="en-US" altLang="ko-KR" sz="1350" dirty="0"/>
-              <a:t>FWHM</a:t>
-            </a:r>
-            <a:endParaRPr lang="ko-KR" altLang="en-US" sz="1350" dirty="0"/>
-          </a:p>
-        </p:txBody>
-      </p:sp>
-      <p:graphicFrame>
-        <p:nvGraphicFramePr>
-          <p:cNvPr id="11" name="표 10"/>
-          <p:cNvGraphicFramePr>
-            <a:graphicFrameLocks noGrp="1"/>
-          </p:cNvGraphicFramePr>
-          <p:nvPr>
-            <p:extLst/>
-          </p:nvPr>
-        </p:nvGraphicFramePr>
-        <p:xfrm>
-          <a:off x="2328476" y="4039929"/>
-          <a:ext cx="4572000" cy="891540"/>
-        </p:xfrm>
-        <a:graphic>
-          <a:graphicData uri="http://schemas.openxmlformats.org/drawingml/2006/table">
-            <a:tbl>
-              <a:tblPr firstRow="1" bandRow="1">
-                <a:tableStyleId>{5940675A-B579-460E-94D1-54222C63F5DA}</a:tableStyleId>
-              </a:tblPr>
-              <a:tblGrid>
-                <a:gridCol w="1143000">
-                  <a:extLst>
-                    <a:ext uri="{9D8B030D-6E8A-4147-A177-3AD203B41FA5}">
-                      <a16:colId xmlns:a16="http://schemas.microsoft.com/office/drawing/2014/main" val="1342169362"/>
-                    </a:ext>
-                  </a:extLst>
-                </a:gridCol>
-                <a:gridCol w="1143000">
-                  <a:extLst>
-                    <a:ext uri="{9D8B030D-6E8A-4147-A177-3AD203B41FA5}">
-                      <a16:colId xmlns:a16="http://schemas.microsoft.com/office/drawing/2014/main" val="264672230"/>
-                    </a:ext>
-                  </a:extLst>
-                </a:gridCol>
-                <a:gridCol w="1143000">
-                  <a:extLst>
-                    <a:ext uri="{9D8B030D-6E8A-4147-A177-3AD203B41FA5}">
-                      <a16:colId xmlns:a16="http://schemas.microsoft.com/office/drawing/2014/main" val="203846777"/>
-                    </a:ext>
-                  </a:extLst>
-                </a:gridCol>
-                <a:gridCol w="1143000">
-                  <a:extLst>
-                    <a:ext uri="{9D8B030D-6E8A-4147-A177-3AD203B41FA5}">
-                      <a16:colId xmlns:a16="http://schemas.microsoft.com/office/drawing/2014/main" val="2193088654"/>
-                    </a:ext>
-                  </a:extLst>
-                </a:gridCol>
-              </a:tblGrid>
-              <a:tr h="297180">
-                <a:tc>
-                  <a:txBody>
-                    <a:bodyPr/>
-                    <a:lstStyle/>
-                    <a:p>
-                      <a:pPr algn="ctr" latinLnBrk="1"/>
-                      <a:endParaRPr lang="ko-KR" altLang="en-US" sz="1500" dirty="0"/>
-                    </a:p>
-                  </a:txBody>
-                  <a:tcPr marL="68580" marR="68580" marT="34290" marB="34290"/>
-                </a:tc>
-                <a:tc>
-                  <a:txBody>
-                    <a:bodyPr/>
-                    <a:lstStyle/>
-                    <a:p>
-                      <a:pPr algn="ctr" latinLnBrk="1"/>
-                      <a:r>
-                        <a:rPr lang="en-US" altLang="ko-KR" sz="1500" b="1" dirty="0" smtClean="0"/>
-                        <a:t>Theory</a:t>
-                      </a:r>
-                      <a:endParaRPr lang="ko-KR" altLang="en-US" sz="1500" b="1" dirty="0"/>
-                    </a:p>
-                  </a:txBody>
-                  <a:tcPr marL="68580" marR="68580" marT="34290" marB="34290"/>
-                </a:tc>
-                <a:tc>
-                  <a:txBody>
-                    <a:bodyPr/>
-                    <a:lstStyle/>
-                    <a:p>
-                      <a:pPr algn="ctr" latinLnBrk="1"/>
-                      <a:r>
-                        <a:rPr lang="en-US" altLang="ko-KR" sz="1500" b="1" dirty="0" smtClean="0"/>
-                        <a:t>ARL</a:t>
-                      </a:r>
-                      <a:endParaRPr lang="ko-KR" altLang="en-US" sz="1500" b="1" dirty="0"/>
-                    </a:p>
-                  </a:txBody>
-                  <a:tcPr marL="68580" marR="68580" marT="34290" marB="34290"/>
-                </a:tc>
-                <a:tc>
-                  <a:txBody>
-                    <a:bodyPr/>
-                    <a:lstStyle/>
-                    <a:p>
-                      <a:pPr algn="ctr" latinLnBrk="1"/>
-                      <a:r>
-                        <a:rPr lang="en-US" altLang="ko-KR" sz="1500" b="1" dirty="0" smtClean="0"/>
-                        <a:t>ANN</a:t>
-                      </a:r>
-                      <a:endParaRPr lang="ko-KR" altLang="en-US" sz="1500" b="1" dirty="0"/>
-                    </a:p>
-                  </a:txBody>
-                  <a:tcPr marL="68580" marR="68580" marT="34290" marB="34290"/>
-                </a:tc>
-                <a:extLst>
-                  <a:ext uri="{0D108BD9-81ED-4DB2-BD59-A6C34878D82A}">
-                    <a16:rowId xmlns:a16="http://schemas.microsoft.com/office/drawing/2014/main" val="2878022874"/>
-                  </a:ext>
-                </a:extLst>
-              </a:tr>
-              <a:tr h="297180">
-                <a:tc>
-                  <a:txBody>
-                    <a:bodyPr/>
-                    <a:lstStyle/>
-                    <a:p>
-                      <a:pPr algn="ctr" latinLnBrk="1"/>
-                      <a:r>
-                        <a:rPr lang="en-US" altLang="ko-KR" sz="1500" dirty="0" smtClean="0"/>
-                        <a:t>FWHM (THz)</a:t>
-                      </a:r>
-                      <a:endParaRPr lang="ko-KR" altLang="en-US" sz="1500" dirty="0"/>
-                    </a:p>
-                  </a:txBody>
-                  <a:tcPr marL="68580" marR="68580" marT="34290" marB="34290"/>
-                </a:tc>
-                <a:tc>
-                  <a:txBody>
-                    <a:bodyPr/>
-                    <a:lstStyle/>
-                    <a:p>
-                      <a:pPr algn="ctr" latinLnBrk="1"/>
-                      <a:r>
-                        <a:rPr lang="en-US" altLang="ko-KR" sz="1500" dirty="0" smtClean="0"/>
-                        <a:t>0.598</a:t>
-                      </a:r>
-                      <a:endParaRPr lang="ko-KR" altLang="en-US" sz="1500" dirty="0"/>
-                    </a:p>
-                  </a:txBody>
-                  <a:tcPr marL="68580" marR="68580" marT="34290" marB="34290"/>
-                </a:tc>
-                <a:tc>
-                  <a:txBody>
-                    <a:bodyPr/>
-                    <a:lstStyle/>
-                    <a:p>
-                      <a:pPr algn="ctr" latinLnBrk="1"/>
-                      <a:r>
-                        <a:rPr lang="en-US" altLang="ko-KR" sz="1500" dirty="0" smtClean="0"/>
-                        <a:t>0.541</a:t>
-                      </a:r>
-                      <a:endParaRPr lang="ko-KR" altLang="en-US" sz="1500" dirty="0"/>
-                    </a:p>
-                  </a:txBody>
-                  <a:tcPr marL="68580" marR="68580" marT="34290" marB="34290"/>
-                </a:tc>
-                <a:tc>
-                  <a:txBody>
-                    <a:bodyPr/>
-                    <a:lstStyle/>
-                    <a:p>
-                      <a:pPr algn="ctr" latinLnBrk="1"/>
-                      <a:r>
-                        <a:rPr lang="en-US" altLang="ko-KR" sz="1500" dirty="0" smtClean="0"/>
-                        <a:t>0.573</a:t>
-                      </a:r>
-                      <a:endParaRPr lang="ko-KR" altLang="en-US" sz="1500" dirty="0"/>
-                    </a:p>
-                  </a:txBody>
-                  <a:tcPr marL="68580" marR="68580" marT="34290" marB="34290"/>
-                </a:tc>
-                <a:extLst>
-                  <a:ext uri="{0D108BD9-81ED-4DB2-BD59-A6C34878D82A}">
-                    <a16:rowId xmlns:a16="http://schemas.microsoft.com/office/drawing/2014/main" val="2534462201"/>
-                  </a:ext>
-                </a:extLst>
-              </a:tr>
-              <a:tr h="297180">
-                <a:tc>
-                  <a:txBody>
-                    <a:bodyPr/>
-                    <a:lstStyle/>
-                    <a:p>
-                      <a:pPr algn="ctr" latinLnBrk="1"/>
-                      <a:r>
-                        <a:rPr lang="en-US" altLang="ko-KR" sz="1500" dirty="0" smtClean="0"/>
-                        <a:t>99% (THz)</a:t>
-                      </a:r>
-                      <a:endParaRPr lang="ko-KR" altLang="en-US" sz="1500" dirty="0"/>
-                    </a:p>
-                  </a:txBody>
-                  <a:tcPr marL="68580" marR="68580" marT="34290" marB="34290"/>
-                </a:tc>
-                <a:tc>
-                  <a:txBody>
-                    <a:bodyPr/>
-                    <a:lstStyle/>
-                    <a:p>
-                      <a:pPr algn="ctr" latinLnBrk="1"/>
-                      <a:r>
-                        <a:rPr lang="en-US" altLang="ko-KR" sz="1500" dirty="0" smtClean="0"/>
-                        <a:t>0.275</a:t>
-                      </a:r>
-                      <a:endParaRPr lang="ko-KR" altLang="en-US" sz="1500" dirty="0"/>
-                    </a:p>
-                  </a:txBody>
-                  <a:tcPr marL="68580" marR="68580" marT="34290" marB="34290"/>
-                </a:tc>
-                <a:tc>
-                  <a:txBody>
-                    <a:bodyPr/>
-                    <a:lstStyle/>
-                    <a:p>
-                      <a:pPr algn="ctr" latinLnBrk="1"/>
-                      <a:r>
-                        <a:rPr lang="en-US" altLang="ko-KR" sz="1500" dirty="0" smtClean="0"/>
-                        <a:t>0.287</a:t>
-                      </a:r>
-                      <a:endParaRPr lang="ko-KR" altLang="en-US" sz="1500" dirty="0"/>
-                    </a:p>
-                  </a:txBody>
-                  <a:tcPr marL="68580" marR="68580" marT="34290" marB="34290"/>
-                </a:tc>
-                <a:tc>
-                  <a:txBody>
-                    <a:bodyPr/>
-                    <a:lstStyle/>
-                    <a:p>
-                      <a:pPr algn="ctr" latinLnBrk="1"/>
-                      <a:r>
-                        <a:rPr lang="en-US" altLang="ko-KR" sz="1500" dirty="0" smtClean="0"/>
-                        <a:t>0.339</a:t>
-                      </a:r>
-                      <a:endParaRPr lang="ko-KR" altLang="en-US" sz="1500" dirty="0"/>
-                    </a:p>
-                  </a:txBody>
-                  <a:tcPr marL="68580" marR="68580" marT="34290" marB="34290"/>
-                </a:tc>
-                <a:extLst>
-                  <a:ext uri="{0D108BD9-81ED-4DB2-BD59-A6C34878D82A}">
-                    <a16:rowId xmlns:a16="http://schemas.microsoft.com/office/drawing/2014/main" val="1154606804"/>
-                  </a:ext>
-                </a:extLst>
-              </a:tr>
-            </a:tbl>
-          </a:graphicData>
-        </a:graphic>
-      </p:graphicFrame>
-      <p:cxnSp>
-        <p:nvCxnSpPr>
-          <p:cNvPr id="12" name="직선 연결선 11"/>
-          <p:cNvCxnSpPr/>
-          <p:nvPr/>
-        </p:nvCxnSpPr>
-        <p:spPr>
-          <a:xfrm>
-            <a:off x="1736611" y="2472176"/>
-            <a:ext cx="6107113" cy="0"/>
-          </a:xfrm>
-          <a:prstGeom prst="line">
-            <a:avLst/>
-          </a:prstGeom>
-          <a:ln w="19050">
-            <a:solidFill>
-              <a:srgbClr val="FF0000"/>
-            </a:solidFill>
-            <a:prstDash val="sysDash"/>
-          </a:ln>
-        </p:spPr>
-        <p:style>
-          <a:lnRef idx="1">
-            <a:schemeClr val="accent1"/>
-          </a:lnRef>
-          <a:fillRef idx="0">
-            <a:schemeClr val="accent1"/>
-          </a:fillRef>
-          <a:effectRef idx="0">
-            <a:schemeClr val="accent1"/>
-          </a:effectRef>
-          <a:fontRef idx="minor">
-            <a:schemeClr val="tx1"/>
-          </a:fontRef>
-        </p:style>
-      </p:cxnSp>
-      <p:sp>
-        <p:nvSpPr>
-          <p:cNvPr id="13" name="TextBox 12"/>
-          <p:cNvSpPr txBox="1"/>
-          <p:nvPr/>
-        </p:nvSpPr>
-        <p:spPr>
-          <a:xfrm>
-            <a:off x="2254142" y="1552627"/>
-            <a:ext cx="725760" cy="300082"/>
-          </a:xfrm>
-          <a:prstGeom prst="rect">
-            <a:avLst/>
-          </a:prstGeom>
-          <a:noFill/>
-        </p:spPr>
-        <p:txBody>
-          <a:bodyPr wrap="square" rtlCol="0">
-            <a:spAutoFit/>
-          </a:bodyPr>
-          <a:lstStyle/>
-          <a:p>
-            <a:r>
-              <a:rPr lang="en-US" altLang="ko-KR" sz="1350" dirty="0"/>
-              <a:t>Theory</a:t>
-            </a:r>
-            <a:endParaRPr lang="ko-KR" altLang="en-US" sz="1350" dirty="0"/>
-          </a:p>
-        </p:txBody>
-      </p:sp>
-      <p:sp>
-        <p:nvSpPr>
-          <p:cNvPr id="14" name="TextBox 13"/>
-          <p:cNvSpPr txBox="1"/>
-          <p:nvPr/>
-        </p:nvSpPr>
-        <p:spPr>
-          <a:xfrm>
-            <a:off x="4583524" y="1552627"/>
-            <a:ext cx="476877" cy="300082"/>
-          </a:xfrm>
-          <a:prstGeom prst="rect">
-            <a:avLst/>
-          </a:prstGeom>
-          <a:noFill/>
-        </p:spPr>
-        <p:txBody>
-          <a:bodyPr wrap="square" rtlCol="0">
-            <a:spAutoFit/>
-          </a:bodyPr>
-          <a:lstStyle/>
-          <a:p>
-            <a:r>
-              <a:rPr lang="en-US" altLang="ko-KR" sz="1350" dirty="0"/>
-              <a:t>ARL</a:t>
-            </a:r>
-            <a:endParaRPr lang="ko-KR" altLang="en-US" sz="1350" dirty="0"/>
-          </a:p>
-        </p:txBody>
-      </p:sp>
-      <p:sp>
-        <p:nvSpPr>
-          <p:cNvPr id="15" name="TextBox 14"/>
-          <p:cNvSpPr txBox="1"/>
-          <p:nvPr/>
-        </p:nvSpPr>
-        <p:spPr>
-          <a:xfrm>
-            <a:off x="6705941" y="1552627"/>
-            <a:ext cx="587828" cy="300082"/>
-          </a:xfrm>
-          <a:prstGeom prst="rect">
-            <a:avLst/>
-          </a:prstGeom>
-          <a:noFill/>
-        </p:spPr>
-        <p:txBody>
-          <a:bodyPr wrap="square" rtlCol="0">
-            <a:spAutoFit/>
-          </a:bodyPr>
-          <a:lstStyle/>
-          <a:p>
-            <a:r>
-              <a:rPr lang="en-US" altLang="ko-KR" sz="1350" dirty="0"/>
-              <a:t>ANN</a:t>
-            </a:r>
-            <a:endParaRPr lang="ko-KR" altLang="en-US" sz="1350" dirty="0"/>
-          </a:p>
-        </p:txBody>
-      </p:sp>
     </p:spTree>
     <p:extLst>
       <p:ext uri="{BB962C8B-B14F-4D97-AF65-F5344CB8AC3E}">
@@ -29230,6 +29278,78 @@
           </a:p>
         </p:txBody>
       </p:sp>
+      <p:pic>
+        <p:nvPicPr>
+          <p:cNvPr id="7" name="그림 6"/>
+          <p:cNvPicPr>
+            <a:picLocks noChangeAspect="1"/>
+          </p:cNvPicPr>
+          <p:nvPr/>
+        </p:nvPicPr>
+        <p:blipFill>
+          <a:blip r:embed="rId2"/>
+          <a:stretch>
+            <a:fillRect/>
+          </a:stretch>
+        </p:blipFill>
+        <p:spPr>
+          <a:xfrm>
+            <a:off x="0" y="2074165"/>
+            <a:ext cx="2880615" cy="2160000"/>
+          </a:xfrm>
+          <a:prstGeom prst="rect">
+            <a:avLst/>
+          </a:prstGeom>
+        </p:spPr>
+      </p:pic>
+      <p:pic>
+        <p:nvPicPr>
+          <p:cNvPr id="8" name="그림 7"/>
+          <p:cNvPicPr>
+            <a:picLocks noChangeAspect="1"/>
+          </p:cNvPicPr>
+          <p:nvPr/>
+        </p:nvPicPr>
+        <p:blipFill>
+          <a:blip r:embed="rId3"/>
+          <a:stretch>
+            <a:fillRect/>
+          </a:stretch>
+        </p:blipFill>
+        <p:spPr>
+          <a:xfrm>
+            <a:off x="3063355" y="2074165"/>
+            <a:ext cx="2880614" cy="2160000"/>
+          </a:xfrm>
+          <a:prstGeom prst="rect">
+            <a:avLst/>
+          </a:prstGeom>
+        </p:spPr>
+      </p:pic>
+      <p:pic>
+        <p:nvPicPr>
+          <p:cNvPr id="9" name="그림 8"/>
+          <p:cNvPicPr>
+            <a:picLocks noChangeAspect="1"/>
+          </p:cNvPicPr>
+          <p:nvPr/>
+        </p:nvPicPr>
+        <p:blipFill>
+          <a:blip r:embed="rId4"/>
+          <a:stretch>
+            <a:fillRect/>
+          </a:stretch>
+        </p:blipFill>
+        <p:spPr>
+          <a:xfrm>
+            <a:off x="6126708" y="2074165"/>
+            <a:ext cx="2880615" cy="2160000"/>
+          </a:xfrm>
+          <a:prstGeom prst="rect">
+            <a:avLst/>
+          </a:prstGeom>
+        </p:spPr>
+      </p:pic>
     </p:spTree>
     <p:extLst>
       <p:ext uri="{BB962C8B-B14F-4D97-AF65-F5344CB8AC3E}">
@@ -29870,7 +29990,7 @@
           <a:p>
             <a:fld id="{9B9B7D2E-B202-4D7A-9519-0C490A04EB9C}" type="datetime1">
               <a:rPr lang="ko-KR" altLang="en-US" smtClean="0"/>
-              <a:t>2019-10-19</a:t>
+              <a:t>2019-10-21</a:t>
             </a:fld>
             <a:endParaRPr lang="ko-KR" altLang="en-US"/>
           </a:p>
